--- a/ch02/02.06 Moneyball.pptx
+++ b/ch02/02.06 Moneyball.pptx
@@ -246,7 +246,7 @@
           <a:p>
             <a:fld id="{B6BED862-AF33-0947-A601-FA6040CBDB50}" type="datetimeFigureOut">
               <a:rPr lang="en-US" smtClean="0"/>
-              <a:t>6/21/19</a:t>
+              <a:t>6/28/19</a:t>
             </a:fld>
             <a:endParaRPr lang="en-US" dirty="0"/>
           </a:p>
@@ -379,17 +379,17 @@
           <a:effectLst/>
           <a:extLst>
             <a:ext uri="{FAA26D3D-D897-4be2-8F04-BA451C77F1D7}">
-              <ma14:placeholderFlag xmlns="" xmlns:ma14="http://schemas.microsoft.com/office/mac/drawingml/2011/main" val="1"/>
+              <ma14:placeholderFlag xmlns:ma14="http://schemas.microsoft.com/office/mac/drawingml/2011/main" xmlns="" val="1"/>
             </a:ext>
             <a:ext uri="{909E8E84-426E-40dd-AFC4-6F175D3DCCD1}">
-              <a14:hiddenFill xmlns:a14="http://schemas.microsoft.com/office/drawing/2010/main" xmlns="">
+              <a14:hiddenFill xmlns="" xmlns:a14="http://schemas.microsoft.com/office/drawing/2010/main">
                 <a:solidFill>
                   <a:schemeClr val="accent1"/>
                 </a:solidFill>
               </a14:hiddenFill>
             </a:ext>
             <a:ext uri="{91240B29-F687-4f45-9708-019B960494DF}">
-              <a14:hiddenLine xmlns:a14="http://schemas.microsoft.com/office/drawing/2010/main" xmlns="" w="9525">
+              <a14:hiddenLine xmlns="" xmlns:a14="http://schemas.microsoft.com/office/drawing/2010/main" w="9525">
                 <a:solidFill>
                   <a:schemeClr val="tx1"/>
                 </a:solidFill>
@@ -399,7 +399,7 @@
               </a14:hiddenLine>
             </a:ext>
             <a:ext uri="{AF507438-7753-43e0-B8FC-AC1667EBCBE1}">
-              <a14:hiddenEffects xmlns:a14="http://schemas.microsoft.com/office/drawing/2010/main" xmlns="">
+              <a14:hiddenEffects xmlns="" xmlns:a14="http://schemas.microsoft.com/office/drawing/2010/main">
                 <a:effectLst>
                   <a:outerShdw blurRad="63500" dist="38099" dir="2700000" algn="ctr" rotWithShape="0">
                     <a:schemeClr val="bg2">
@@ -458,17 +458,17 @@
           <a:effectLst/>
           <a:extLst>
             <a:ext uri="{FAA26D3D-D897-4be2-8F04-BA451C77F1D7}">
-              <ma14:placeholderFlag xmlns="" xmlns:ma14="http://schemas.microsoft.com/office/mac/drawingml/2011/main" val="1"/>
+              <ma14:placeholderFlag xmlns:ma14="http://schemas.microsoft.com/office/mac/drawingml/2011/main" xmlns="" val="1"/>
             </a:ext>
             <a:ext uri="{909E8E84-426E-40dd-AFC4-6F175D3DCCD1}">
-              <a14:hiddenFill xmlns:a14="http://schemas.microsoft.com/office/drawing/2010/main" xmlns="">
+              <a14:hiddenFill xmlns="" xmlns:a14="http://schemas.microsoft.com/office/drawing/2010/main">
                 <a:solidFill>
                   <a:schemeClr val="accent1"/>
                 </a:solidFill>
               </a14:hiddenFill>
             </a:ext>
             <a:ext uri="{91240B29-F687-4f45-9708-019B960494DF}">
-              <a14:hiddenLine xmlns:a14="http://schemas.microsoft.com/office/drawing/2010/main" xmlns="" w="9525">
+              <a14:hiddenLine xmlns="" xmlns:a14="http://schemas.microsoft.com/office/drawing/2010/main" w="9525">
                 <a:solidFill>
                   <a:schemeClr val="tx1"/>
                 </a:solidFill>
@@ -478,7 +478,7 @@
               </a14:hiddenLine>
             </a:ext>
             <a:ext uri="{AF507438-7753-43e0-B8FC-AC1667EBCBE1}">
-              <a14:hiddenEffects xmlns:a14="http://schemas.microsoft.com/office/drawing/2010/main" xmlns="">
+              <a14:hiddenEffects xmlns="" xmlns:a14="http://schemas.microsoft.com/office/drawing/2010/main">
                 <a:effectLst>
                   <a:outerShdw blurRad="63500" dist="38099" dir="2700000" algn="ctr" rotWithShape="0">
                     <a:schemeClr val="bg2">
@@ -542,7 +542,7 @@
           <a:effectLst/>
           <a:extLst>
             <a:ext uri="{AF507438-7753-43e0-B8FC-AC1667EBCBE1}">
-              <a14:hiddenEffects xmlns:a14="http://schemas.microsoft.com/office/drawing/2010/main" xmlns="">
+              <a14:hiddenEffects xmlns="" xmlns:a14="http://schemas.microsoft.com/office/drawing/2010/main">
                 <a:effectLst>
                   <a:outerShdw blurRad="63500" dist="38099" dir="2700000" algn="ctr" rotWithShape="0">
                     <a:srgbClr val="000000">
@@ -553,7 +553,7 @@
               </a14:hiddenEffects>
             </a:ext>
             <a:ext uri="{53640926-AAD7-44d8-BBD7-CCE9431645EC}">
-              <a14:shadowObscured xmlns:a14="http://schemas.microsoft.com/office/drawing/2010/main" xmlns="" val="1"/>
+              <a14:shadowObscured xmlns="" xmlns:a14="http://schemas.microsoft.com/office/drawing/2010/main" val="1"/>
             </a:ext>
           </a:extLst>
         </p:spPr>
@@ -583,17 +583,17 @@
           <a:effectLst/>
           <a:extLst>
             <a:ext uri="{FAA26D3D-D897-4be2-8F04-BA451C77F1D7}">
-              <ma14:placeholderFlag xmlns="" xmlns:ma14="http://schemas.microsoft.com/office/mac/drawingml/2011/main" val="1"/>
+              <ma14:placeholderFlag xmlns:ma14="http://schemas.microsoft.com/office/mac/drawingml/2011/main" xmlns="" val="1"/>
             </a:ext>
             <a:ext uri="{909E8E84-426E-40dd-AFC4-6F175D3DCCD1}">
-              <a14:hiddenFill xmlns:a14="http://schemas.microsoft.com/office/drawing/2010/main" xmlns="">
+              <a14:hiddenFill xmlns="" xmlns:a14="http://schemas.microsoft.com/office/drawing/2010/main">
                 <a:solidFill>
                   <a:schemeClr val="accent1"/>
                 </a:solidFill>
               </a14:hiddenFill>
             </a:ext>
             <a:ext uri="{91240B29-F687-4f45-9708-019B960494DF}">
-              <a14:hiddenLine xmlns:a14="http://schemas.microsoft.com/office/drawing/2010/main" xmlns="" w="9525">
+              <a14:hiddenLine xmlns="" xmlns:a14="http://schemas.microsoft.com/office/drawing/2010/main" w="9525">
                 <a:solidFill>
                   <a:schemeClr val="tx1"/>
                 </a:solidFill>
@@ -603,7 +603,7 @@
               </a14:hiddenLine>
             </a:ext>
             <a:ext uri="{AF507438-7753-43e0-B8FC-AC1667EBCBE1}">
-              <a14:hiddenEffects xmlns:a14="http://schemas.microsoft.com/office/drawing/2010/main" xmlns="">
+              <a14:hiddenEffects xmlns="" xmlns:a14="http://schemas.microsoft.com/office/drawing/2010/main">
                 <a:effectLst>
                   <a:outerShdw blurRad="63500" dist="38099" dir="2700000" algn="ctr" rotWithShape="0">
                     <a:schemeClr val="bg2">
@@ -684,17 +684,17 @@
           <a:effectLst/>
           <a:extLst>
             <a:ext uri="{FAA26D3D-D897-4be2-8F04-BA451C77F1D7}">
-              <ma14:placeholderFlag xmlns="" xmlns:ma14="http://schemas.microsoft.com/office/mac/drawingml/2011/main" val="1"/>
+              <ma14:placeholderFlag xmlns:ma14="http://schemas.microsoft.com/office/mac/drawingml/2011/main" xmlns="" val="1"/>
             </a:ext>
             <a:ext uri="{909E8E84-426E-40dd-AFC4-6F175D3DCCD1}">
-              <a14:hiddenFill xmlns:a14="http://schemas.microsoft.com/office/drawing/2010/main" xmlns="">
+              <a14:hiddenFill xmlns="" xmlns:a14="http://schemas.microsoft.com/office/drawing/2010/main">
                 <a:solidFill>
                   <a:schemeClr val="accent1"/>
                 </a:solidFill>
               </a14:hiddenFill>
             </a:ext>
             <a:ext uri="{91240B29-F687-4f45-9708-019B960494DF}">
-              <a14:hiddenLine xmlns:a14="http://schemas.microsoft.com/office/drawing/2010/main" xmlns="" w="9525">
+              <a14:hiddenLine xmlns="" xmlns:a14="http://schemas.microsoft.com/office/drawing/2010/main" w="9525">
                 <a:solidFill>
                   <a:schemeClr val="tx1"/>
                 </a:solidFill>
@@ -704,7 +704,7 @@
               </a14:hiddenLine>
             </a:ext>
             <a:ext uri="{AF507438-7753-43e0-B8FC-AC1667EBCBE1}">
-              <a14:hiddenEffects xmlns:a14="http://schemas.microsoft.com/office/drawing/2010/main" xmlns="">
+              <a14:hiddenEffects xmlns="" xmlns:a14="http://schemas.microsoft.com/office/drawing/2010/main">
                 <a:effectLst>
                   <a:outerShdw blurRad="63500" dist="38099" dir="2700000" algn="ctr" rotWithShape="0">
                     <a:schemeClr val="bg2">
@@ -763,17 +763,17 @@
           <a:effectLst/>
           <a:extLst>
             <a:ext uri="{FAA26D3D-D897-4be2-8F04-BA451C77F1D7}">
-              <ma14:placeholderFlag xmlns="" xmlns:ma14="http://schemas.microsoft.com/office/mac/drawingml/2011/main" val="1"/>
+              <ma14:placeholderFlag xmlns:ma14="http://schemas.microsoft.com/office/mac/drawingml/2011/main" xmlns="" val="1"/>
             </a:ext>
             <a:ext uri="{909E8E84-426E-40dd-AFC4-6F175D3DCCD1}">
-              <a14:hiddenFill xmlns:a14="http://schemas.microsoft.com/office/drawing/2010/main" xmlns="">
+              <a14:hiddenFill xmlns="" xmlns:a14="http://schemas.microsoft.com/office/drawing/2010/main">
                 <a:solidFill>
                   <a:schemeClr val="accent1"/>
                 </a:solidFill>
               </a14:hiddenFill>
             </a:ext>
             <a:ext uri="{91240B29-F687-4f45-9708-019B960494DF}">
-              <a14:hiddenLine xmlns:a14="http://schemas.microsoft.com/office/drawing/2010/main" xmlns="" w="9525">
+              <a14:hiddenLine xmlns="" xmlns:a14="http://schemas.microsoft.com/office/drawing/2010/main" w="9525">
                 <a:solidFill>
                   <a:schemeClr val="tx1"/>
                 </a:solidFill>
@@ -783,7 +783,7 @@
               </a14:hiddenLine>
             </a:ext>
             <a:ext uri="{AF507438-7753-43e0-B8FC-AC1667EBCBE1}">
-              <a14:hiddenEffects xmlns:a14="http://schemas.microsoft.com/office/drawing/2010/main" xmlns="">
+              <a14:hiddenEffects xmlns="" xmlns:a14="http://schemas.microsoft.com/office/drawing/2010/main">
                 <a:effectLst>
                   <a:outerShdw blurRad="63500" dist="38099" dir="2700000" algn="ctr" rotWithShape="0">
                     <a:schemeClr val="bg2">
@@ -1628,7 +1628,7 @@
               </a14:hiddenLine>
             </a:ext>
             <a:ext uri="{FAA26D3D-D897-4be2-8F04-BA451C77F1D7}">
-              <ma14:placeholderFlag xmlns="" xmlns:ma14="http://schemas.microsoft.com/office/mac/drawingml/2011/main" val="1"/>
+              <ma14:placeholderFlag xmlns:ma14="http://schemas.microsoft.com/office/mac/drawingml/2011/main" xmlns="" val="1"/>
             </a:ext>
           </a:extLst>
         </p:spPr>
@@ -2550,14 +2550,14 @@
           </a:ln>
           <a:extLst>
             <a:ext uri="{909E8E84-426E-40dd-AFC4-6F175D3DCCD1}">
-              <a14:hiddenFill xmlns:a14="http://schemas.microsoft.com/office/drawing/2010/main" xmlns="">
+              <a14:hiddenFill xmlns="" xmlns:a14="http://schemas.microsoft.com/office/drawing/2010/main">
                 <a:solidFill>
                   <a:srgbClr val="FFFFFF"/>
                 </a:solidFill>
               </a14:hiddenFill>
             </a:ext>
             <a:ext uri="{91240B29-F687-4f45-9708-019B960494DF}">
-              <a14:hiddenLine xmlns:a14="http://schemas.microsoft.com/office/drawing/2010/main" xmlns="" w="9525">
+              <a14:hiddenLine xmlns="" xmlns:a14="http://schemas.microsoft.com/office/drawing/2010/main" w="9525">
                 <a:solidFill>
                   <a:srgbClr val="000000"/>
                 </a:solidFill>
@@ -2779,13 +2779,26 @@
           <a:p>
             <a:r>
               <a:rPr lang="en-US" dirty="0"/>
-              <a:t>Information used throughout the baseball season </a:t>
+              <a:t>Information used throughout the baseball season to adjust tactics</a:t>
             </a:r>
+          </a:p>
+          <a:p>
             <a:r>
-              <a:rPr lang="en-US"/>
-              <a:t>to adjust tactics</a:t>
+              <a:rPr lang="en-US" dirty="0"/>
+              <a:t>Analytics are used to generate the strategy</a:t>
             </a:r>
-            <a:endParaRPr lang="en-US" dirty="0"/>
+          </a:p>
+          <a:p>
+            <a:r>
+              <a:rPr lang="en-US" dirty="0"/>
+              <a:t>Should buy wins which means runs</a:t>
+            </a:r>
+          </a:p>
+          <a:p>
+            <a:r>
+              <a:rPr lang="en-US" dirty="0"/>
+              <a:t>After strategy is built, go find players to fit strategy</a:t>
+            </a:r>
           </a:p>
         </p:txBody>
       </p:sp>
